--- a/docs/0000.man.pptx
+++ b/docs/0000.man.pptx
@@ -11659,6 +11659,76 @@
           </a:prstGeom>
         </p:spPr>
       </p:pic>
+      <p:sp>
+        <p:nvSpPr>
+          <p:cNvPr id="5" name="Rectangle 4">
+            <a:extLst>
+              <a:ext uri="{FF2B5EF4-FFF2-40B4-BE49-F238E27FC236}">
+                <a16:creationId xmlns:a16="http://schemas.microsoft.com/office/drawing/2014/main" id="{07837F71-FECA-4261-B911-676DDE49A98C}"/>
+              </a:ext>
+            </a:extLst>
+          </p:cNvPr>
+          <p:cNvSpPr/>
+          <p:nvPr/>
+        </p:nvSpPr>
+        <p:spPr bwMode="auto">
+          <a:xfrm>
+            <a:off x="495300" y="1371600"/>
+            <a:ext cx="2171700" cy="304800"/>
+          </a:xfrm>
+          <a:prstGeom prst="rect">
+            <a:avLst/>
+          </a:prstGeom>
+          <a:noFill/>
+          <a:ln w="53975" cap="flat" cmpd="sng" algn="ctr">
+            <a:solidFill>
+              <a:srgbClr val="FF0000"/>
+            </a:solidFill>
+            <a:prstDash val="solid"/>
+            <a:round/>
+            <a:headEnd type="none" w="lg" len="lg"/>
+            <a:tailEnd type="none" w="lg" len="lg"/>
+          </a:ln>
+          <a:effectLst/>
+        </p:spPr>
+        <p:txBody>
+          <a:bodyPr vert="horz" wrap="none" lIns="91440" tIns="45720" rIns="91440" bIns="45720" numCol="1" rtlCol="0" anchor="ctr" anchorCtr="0" compatLnSpc="1">
+            <a:prstTxWarp prst="textNoShape">
+              <a:avLst/>
+            </a:prstTxWarp>
+          </a:bodyPr>
+          <a:lstStyle/>
+          <a:p>
+            <a:pPr marL="0" marR="0" indent="0" algn="l" defTabSz="914400" rtl="0" eaLnBrk="0" fontAlgn="base" latinLnBrk="0" hangingPunct="0">
+              <a:lnSpc>
+                <a:spcPct val="100000"/>
+              </a:lnSpc>
+              <a:spcBef>
+                <a:spcPct val="0"/>
+              </a:spcBef>
+              <a:spcAft>
+                <a:spcPct val="0"/>
+              </a:spcAft>
+              <a:buClrTx/>
+              <a:buSzTx/>
+              <a:buFontTx/>
+              <a:buNone/>
+              <a:tabLst/>
+            </a:pPr>
+            <a:endParaRPr kumimoji="0" lang="ko-KR" altLang="en-US" sz="1800" b="0" i="0" u="none" strike="noStrike" cap="none" normalizeH="0" baseline="0">
+              <a:ln>
+                <a:noFill/>
+              </a:ln>
+              <a:solidFill>
+                <a:schemeClr val="tx1"/>
+              </a:solidFill>
+              <a:effectLst/>
+              <a:latin typeface="Arial" pitchFamily="34" charset="0"/>
+              <a:ea typeface="굴림" pitchFamily="50" charset="-127"/>
+            </a:endParaRPr>
+          </a:p>
+        </p:txBody>
+      </p:sp>
     </p:spTree>
     <p:extLst>
       <p:ext uri="{BB962C8B-B14F-4D97-AF65-F5344CB8AC3E}">

--- a/docs/0000.man.pptx
+++ b/docs/0000.man.pptx
@@ -11725,6 +11725,128 @@
               <a:effectLst/>
               <a:latin typeface="Arial" pitchFamily="34" charset="0"/>
               <a:ea typeface="굴림" pitchFamily="50" charset="-127"/>
+            </a:endParaRPr>
+          </a:p>
+        </p:txBody>
+      </p:sp>
+      <p:sp>
+        <p:nvSpPr>
+          <p:cNvPr id="6" name="TextBox 5">
+            <a:extLst>
+              <a:ext uri="{FF2B5EF4-FFF2-40B4-BE49-F238E27FC236}">
+                <a16:creationId xmlns:a16="http://schemas.microsoft.com/office/drawing/2014/main" id="{5D0C9745-1344-4F3F-BB4B-ABC7409D0987}"/>
+              </a:ext>
+            </a:extLst>
+          </p:cNvPr>
+          <p:cNvSpPr txBox="1"/>
+          <p:nvPr/>
+        </p:nvSpPr>
+        <p:spPr>
+          <a:xfrm>
+            <a:off x="2971800" y="1154668"/>
+            <a:ext cx="2522870" cy="369332"/>
+          </a:xfrm>
+          <a:prstGeom prst="rect">
+            <a:avLst/>
+          </a:prstGeom>
+          <a:solidFill>
+            <a:schemeClr val="bg1"/>
+          </a:solidFill>
+        </p:spPr>
+        <p:txBody>
+          <a:bodyPr wrap="none" rtlCol="0">
+            <a:spAutoFit/>
+          </a:bodyPr>
+          <a:lstStyle/>
+          <a:p>
+            <a:r>
+              <a:rPr lang="en-US" altLang="ko-KR" b="1">
+                <a:solidFill>
+                  <a:srgbClr val="FF0000"/>
+                </a:solidFill>
+              </a:rPr>
+              <a:t>Run as Administrator</a:t>
+            </a:r>
+            <a:endParaRPr lang="en-US" b="1">
+              <a:solidFill>
+                <a:srgbClr val="FF0000"/>
+              </a:solidFill>
+            </a:endParaRPr>
+          </a:p>
+        </p:txBody>
+      </p:sp>
+      <p:pic>
+        <p:nvPicPr>
+          <p:cNvPr id="7" name="Picture 6">
+            <a:extLst>
+              <a:ext uri="{FF2B5EF4-FFF2-40B4-BE49-F238E27FC236}">
+                <a16:creationId xmlns:a16="http://schemas.microsoft.com/office/drawing/2014/main" id="{F56FF8BF-6F75-4DE9-B83E-B0C2317C6C23}"/>
+              </a:ext>
+            </a:extLst>
+          </p:cNvPr>
+          <p:cNvPicPr>
+            <a:picLocks noChangeAspect="1"/>
+          </p:cNvPicPr>
+          <p:nvPr/>
+        </p:nvPicPr>
+        <p:blipFill>
+          <a:blip r:embed="rId3"/>
+          <a:stretch>
+            <a:fillRect/>
+          </a:stretch>
+        </p:blipFill>
+        <p:spPr>
+          <a:xfrm>
+            <a:off x="4724400" y="2209800"/>
+            <a:ext cx="4400550" cy="3650644"/>
+          </a:xfrm>
+          <a:prstGeom prst="rect">
+            <a:avLst/>
+          </a:prstGeom>
+        </p:spPr>
+      </p:pic>
+      <p:sp>
+        <p:nvSpPr>
+          <p:cNvPr id="8" name="TextBox 7">
+            <a:extLst>
+              <a:ext uri="{FF2B5EF4-FFF2-40B4-BE49-F238E27FC236}">
+                <a16:creationId xmlns:a16="http://schemas.microsoft.com/office/drawing/2014/main" id="{AF8B610E-3454-41EB-8FFC-12CE03D8B08E}"/>
+              </a:ext>
+            </a:extLst>
+          </p:cNvPr>
+          <p:cNvSpPr txBox="1"/>
+          <p:nvPr/>
+        </p:nvSpPr>
+        <p:spPr>
+          <a:xfrm>
+            <a:off x="7620000" y="2133600"/>
+            <a:ext cx="1390124" cy="369332"/>
+          </a:xfrm>
+          <a:prstGeom prst="rect">
+            <a:avLst/>
+          </a:prstGeom>
+          <a:solidFill>
+            <a:schemeClr val="bg1"/>
+          </a:solidFill>
+        </p:spPr>
+        <p:txBody>
+          <a:bodyPr wrap="none" rtlCol="0">
+            <a:spAutoFit/>
+          </a:bodyPr>
+          <a:lstStyle/>
+          <a:p>
+            <a:r>
+              <a:rPr lang="en-US" altLang="ko-KR" b="1">
+                <a:solidFill>
+                  <a:srgbClr val="FF0000"/>
+                </a:solidFill>
+              </a:rPr>
+              <a:t>Right Click</a:t>
+            </a:r>
+            <a:endParaRPr lang="en-US" b="1">
+              <a:solidFill>
+                <a:srgbClr val="FF0000"/>
+              </a:solidFill>
             </a:endParaRPr>
           </a:p>
         </p:txBody>

--- a/docs/0000.man.pptx
+++ b/docs/0000.man.pptx
@@ -6,7 +6,7 @@
     <p:sldMasterId id="2147483732" r:id="rId2"/>
   </p:sldMasterIdLst>
   <p:notesMasterIdLst>
-    <p:notesMasterId r:id="rId24"/>
+    <p:notesMasterId r:id="rId21"/>
   </p:notesMasterIdLst>
   <p:sldIdLst>
     <p:sldId id="256" r:id="rId3"/>
@@ -25,11 +25,8 @@
     <p:sldId id="848" r:id="rId16"/>
     <p:sldId id="851" r:id="rId17"/>
     <p:sldId id="852" r:id="rId18"/>
-    <p:sldId id="850" r:id="rId19"/>
-    <p:sldId id="853" r:id="rId20"/>
-    <p:sldId id="854" r:id="rId21"/>
-    <p:sldId id="849" r:id="rId22"/>
-    <p:sldId id="855" r:id="rId23"/>
+    <p:sldId id="854" r:id="rId19"/>
+    <p:sldId id="855" r:id="rId20"/>
   </p:sldIdLst>
   <p:sldSz cx="9906000" cy="6858000" type="A4"/>
   <p:notesSz cx="7010400" cy="9296400"/>
@@ -11253,76 +11250,12 @@
           <a:chExt cx="0" cy="0"/>
         </a:xfrm>
       </p:grpSpPr>
-      <p:sp>
-        <p:nvSpPr>
-          <p:cNvPr id="3" name="제목 2">
+      <p:pic>
+        <p:nvPicPr>
+          <p:cNvPr id="2" name="Picture 1">
             <a:extLst>
               <a:ext uri="{FF2B5EF4-FFF2-40B4-BE49-F238E27FC236}">
-                <a16:creationId xmlns:a16="http://schemas.microsoft.com/office/drawing/2014/main" id="{3F761754-CB33-44C3-B96D-D83962C710C5}"/>
-              </a:ext>
-            </a:extLst>
-          </p:cNvPr>
-          <p:cNvSpPr>
-            <a:spLocks noGrp="1"/>
-          </p:cNvSpPr>
-          <p:nvPr>
-            <p:ph type="title"/>
-          </p:nvPr>
-        </p:nvSpPr>
-        <p:spPr/>
-        <p:txBody>
-          <a:bodyPr/>
-          <a:lstStyle/>
-          <a:p>
-            <a:r>
-              <a:rPr lang="en-US" altLang="ko-KR"/>
-              <a:t>3. Configure the WAAS</a:t>
-            </a:r>
-            <a:endParaRPr lang="ko-KR" altLang="en-US"/>
-          </a:p>
-        </p:txBody>
-      </p:sp>
-      <p:sp>
-        <p:nvSpPr>
-          <p:cNvPr id="4" name="슬라이드 번호 개체 틀 3">
-            <a:extLst>
-              <a:ext uri="{FF2B5EF4-FFF2-40B4-BE49-F238E27FC236}">
-                <a16:creationId xmlns:a16="http://schemas.microsoft.com/office/drawing/2014/main" id="{807E9102-56A0-4D67-A059-7AD9B18DDC13}"/>
-              </a:ext>
-            </a:extLst>
-          </p:cNvPr>
-          <p:cNvSpPr>
-            <a:spLocks noGrp="1"/>
-          </p:cNvSpPr>
-          <p:nvPr>
-            <p:ph type="sldNum" sz="quarter" idx="11"/>
-          </p:nvPr>
-        </p:nvSpPr>
-        <p:spPr/>
-        <p:txBody>
-          <a:bodyPr/>
-          <a:lstStyle/>
-          <a:p>
-            <a:pPr>
-              <a:defRPr/>
-            </a:pPr>
-            <a:fld id="{7585D841-3058-4BFE-8F4A-3303B3707F0A}" type="slidenum">
-              <a:rPr lang="en-US" altLang="ko-KR" smtClean="0"/>
-              <a:pPr>
-                <a:defRPr/>
-              </a:pPr>
-              <a:t>12</a:t>
-            </a:fld>
-            <a:endParaRPr lang="en-US" altLang="ko-KR"/>
-          </a:p>
-        </p:txBody>
-      </p:sp>
-      <p:pic>
-        <p:nvPicPr>
-          <p:cNvPr id="7" name="그림 6">
-            <a:extLst>
-              <a:ext uri="{FF2B5EF4-FFF2-40B4-BE49-F238E27FC236}">
-                <a16:creationId xmlns:a16="http://schemas.microsoft.com/office/drawing/2014/main" id="{FD28476D-63D0-471A-9806-A5D9F355624F}"/>
+                <a16:creationId xmlns:a16="http://schemas.microsoft.com/office/drawing/2014/main" id="{A29383D1-5E24-48F7-8464-87B23FA7989E}"/>
               </a:ext>
             </a:extLst>
           </p:cNvPr>
@@ -11339,14 +11272,78 @@
         </p:blipFill>
         <p:spPr>
           <a:xfrm>
-            <a:off x="495300" y="2266950"/>
-            <a:ext cx="8401050" cy="3905250"/>
+            <a:off x="1259681" y="1897294"/>
+            <a:ext cx="6665119" cy="4358714"/>
           </a:xfrm>
           <a:prstGeom prst="rect">
             <a:avLst/>
           </a:prstGeom>
         </p:spPr>
       </p:pic>
+      <p:sp>
+        <p:nvSpPr>
+          <p:cNvPr id="3" name="제목 2">
+            <a:extLst>
+              <a:ext uri="{FF2B5EF4-FFF2-40B4-BE49-F238E27FC236}">
+                <a16:creationId xmlns:a16="http://schemas.microsoft.com/office/drawing/2014/main" id="{3F761754-CB33-44C3-B96D-D83962C710C5}"/>
+              </a:ext>
+            </a:extLst>
+          </p:cNvPr>
+          <p:cNvSpPr>
+            <a:spLocks noGrp="1"/>
+          </p:cNvSpPr>
+          <p:nvPr>
+            <p:ph type="title"/>
+          </p:nvPr>
+        </p:nvSpPr>
+        <p:spPr/>
+        <p:txBody>
+          <a:bodyPr/>
+          <a:lstStyle/>
+          <a:p>
+            <a:r>
+              <a:rPr lang="en-US" altLang="ko-KR"/>
+              <a:t>3. Configure the WAAS</a:t>
+            </a:r>
+            <a:endParaRPr lang="ko-KR" altLang="en-US"/>
+          </a:p>
+        </p:txBody>
+      </p:sp>
+      <p:sp>
+        <p:nvSpPr>
+          <p:cNvPr id="4" name="슬라이드 번호 개체 틀 3">
+            <a:extLst>
+              <a:ext uri="{FF2B5EF4-FFF2-40B4-BE49-F238E27FC236}">
+                <a16:creationId xmlns:a16="http://schemas.microsoft.com/office/drawing/2014/main" id="{807E9102-56A0-4D67-A059-7AD9B18DDC13}"/>
+              </a:ext>
+            </a:extLst>
+          </p:cNvPr>
+          <p:cNvSpPr>
+            <a:spLocks noGrp="1"/>
+          </p:cNvSpPr>
+          <p:nvPr>
+            <p:ph type="sldNum" sz="quarter" idx="11"/>
+          </p:nvPr>
+        </p:nvSpPr>
+        <p:spPr/>
+        <p:txBody>
+          <a:bodyPr/>
+          <a:lstStyle/>
+          <a:p>
+            <a:pPr>
+              <a:defRPr/>
+            </a:pPr>
+            <a:fld id="{7585D841-3058-4BFE-8F4A-3303B3707F0A}" type="slidenum">
+              <a:rPr lang="en-US" altLang="ko-KR" smtClean="0"/>
+              <a:pPr>
+                <a:defRPr/>
+              </a:pPr>
+              <a:t>12</a:t>
+            </a:fld>
+            <a:endParaRPr lang="en-US" altLang="ko-KR"/>
+          </a:p>
+        </p:txBody>
+      </p:sp>
       <p:sp>
         <p:nvSpPr>
           <p:cNvPr id="8" name="Rectangle 1">
@@ -11380,7 +11377,7 @@
                 <a:ea typeface="경기천년바탕 Bold" panose="02020803020101020101" pitchFamily="18" charset="-127"/>
                 <a:cs typeface="Times New Roman" panose="02020603050405020304" pitchFamily="18" charset="0"/>
               </a:rPr>
-              <a:t>edit path in the waas.bat</a:t>
+              <a:t>edit path in the wenv.bat</a:t>
             </a:r>
             <a:endParaRPr lang="en-US" altLang="ko-KR" sz="2800" b="1" dirty="0">
               <a:latin typeface="경기천년바탕 Bold" panose="02020803020101020101" pitchFamily="18" charset="-127"/>
@@ -11479,7 +11476,7 @@
         </p:nvSpPr>
         <p:spPr bwMode="auto">
           <a:xfrm>
-            <a:off x="1371600" y="3171170"/>
+            <a:off x="1360220" y="3227504"/>
             <a:ext cx="2971800" cy="624835"/>
           </a:xfrm>
           <a:prstGeom prst="rect">
@@ -12141,10 +12138,10 @@
       </p:sp>
       <p:pic>
         <p:nvPicPr>
-          <p:cNvPr id="2" name="그림 1">
+          <p:cNvPr id="5" name="Picture 4">
             <a:extLst>
               <a:ext uri="{FF2B5EF4-FFF2-40B4-BE49-F238E27FC236}">
-                <a16:creationId xmlns:a16="http://schemas.microsoft.com/office/drawing/2014/main" id="{ADF41F68-F3A3-443E-B911-C431628A0C5D}"/>
+                <a16:creationId xmlns:a16="http://schemas.microsoft.com/office/drawing/2014/main" id="{C3D217C7-5FCF-40B2-8E2F-61B6981ED5BE}"/>
               </a:ext>
             </a:extLst>
           </p:cNvPr>
@@ -12161,8 +12158,8 @@
         </p:blipFill>
         <p:spPr>
           <a:xfrm>
-            <a:off x="495301" y="1368425"/>
-            <a:ext cx="8915400" cy="4662599"/>
+            <a:off x="290512" y="1295400"/>
+            <a:ext cx="9324975" cy="4876800"/>
           </a:xfrm>
           <a:prstGeom prst="rect">
             <a:avLst/>
@@ -12222,7 +12219,7 @@
           <a:p>
             <a:r>
               <a:rPr lang="en-US" altLang="ko-KR"/>
-              <a:t>4. waas.bat config</a:t>
+              <a:t>5. waas.bat start</a:t>
             </a:r>
             <a:endParaRPr lang="ko-KR" altLang="en-US"/>
           </a:p>
@@ -12265,10 +12262,10 @@
       </p:sp>
       <p:pic>
         <p:nvPicPr>
-          <p:cNvPr id="5" name="그림 4">
+          <p:cNvPr id="5" name="Picture 4">
             <a:extLst>
               <a:ext uri="{FF2B5EF4-FFF2-40B4-BE49-F238E27FC236}">
-                <a16:creationId xmlns:a16="http://schemas.microsoft.com/office/drawing/2014/main" id="{1395B975-E1FA-47E3-B152-068076DD0ADE}"/>
+                <a16:creationId xmlns:a16="http://schemas.microsoft.com/office/drawing/2014/main" id="{90B4B174-C751-4FA5-AE4F-4CFE5FB116B4}"/>
               </a:ext>
             </a:extLst>
           </p:cNvPr>
@@ -12285,8 +12282,8 @@
         </p:blipFill>
         <p:spPr>
           <a:xfrm>
-            <a:off x="495301" y="1371600"/>
-            <a:ext cx="8915400" cy="4662599"/>
+            <a:off x="290512" y="1301393"/>
+            <a:ext cx="9324975" cy="4876800"/>
           </a:xfrm>
           <a:prstGeom prst="rect">
             <a:avLst/>
@@ -12296,7 +12293,7 @@
     </p:spTree>
     <p:extLst>
       <p:ext uri="{BB962C8B-B14F-4D97-AF65-F5344CB8AC3E}">
-        <p14:creationId xmlns:p14="http://schemas.microsoft.com/office/powerpoint/2010/main" val="1516817071"/>
+        <p14:creationId xmlns:p14="http://schemas.microsoft.com/office/powerpoint/2010/main" val="4245543997"/>
       </p:ext>
     </p:extLst>
   </p:cSld>
@@ -12323,76 +12320,12 @@
           <a:chExt cx="0" cy="0"/>
         </a:xfrm>
       </p:grpSpPr>
-      <p:sp>
-        <p:nvSpPr>
-          <p:cNvPr id="3" name="제목 2">
+      <p:pic>
+        <p:nvPicPr>
+          <p:cNvPr id="2" name="Picture 1">
             <a:extLst>
               <a:ext uri="{FF2B5EF4-FFF2-40B4-BE49-F238E27FC236}">
-                <a16:creationId xmlns:a16="http://schemas.microsoft.com/office/drawing/2014/main" id="{3F761754-CB33-44C3-B96D-D83962C710C5}"/>
-              </a:ext>
-            </a:extLst>
-          </p:cNvPr>
-          <p:cNvSpPr>
-            <a:spLocks noGrp="1"/>
-          </p:cNvSpPr>
-          <p:nvPr>
-            <p:ph type="title"/>
-          </p:nvPr>
-        </p:nvSpPr>
-        <p:spPr/>
-        <p:txBody>
-          <a:bodyPr/>
-          <a:lstStyle/>
-          <a:p>
-            <a:r>
-              <a:rPr lang="en-US" altLang="ko-KR"/>
-              <a:t>5. waas.bat start</a:t>
-            </a:r>
-            <a:endParaRPr lang="ko-KR" altLang="en-US"/>
-          </a:p>
-        </p:txBody>
-      </p:sp>
-      <p:sp>
-        <p:nvSpPr>
-          <p:cNvPr id="4" name="슬라이드 번호 개체 틀 3">
-            <a:extLst>
-              <a:ext uri="{FF2B5EF4-FFF2-40B4-BE49-F238E27FC236}">
-                <a16:creationId xmlns:a16="http://schemas.microsoft.com/office/drawing/2014/main" id="{807E9102-56A0-4D67-A059-7AD9B18DDC13}"/>
-              </a:ext>
-            </a:extLst>
-          </p:cNvPr>
-          <p:cNvSpPr>
-            <a:spLocks noGrp="1"/>
-          </p:cNvSpPr>
-          <p:nvPr>
-            <p:ph type="sldNum" sz="quarter" idx="11"/>
-          </p:nvPr>
-        </p:nvSpPr>
-        <p:spPr/>
-        <p:txBody>
-          <a:bodyPr/>
-          <a:lstStyle/>
-          <a:p>
-            <a:pPr>
-              <a:defRPr/>
-            </a:pPr>
-            <a:fld id="{7585D841-3058-4BFE-8F4A-3303B3707F0A}" type="slidenum">
-              <a:rPr lang="en-US" altLang="ko-KR" smtClean="0"/>
-              <a:pPr>
-                <a:defRPr/>
-              </a:pPr>
-              <a:t>17</a:t>
-            </a:fld>
-            <a:endParaRPr lang="en-US" altLang="ko-KR"/>
-          </a:p>
-        </p:txBody>
-      </p:sp>
-      <p:pic>
-        <p:nvPicPr>
-          <p:cNvPr id="5" name="그림 4">
-            <a:extLst>
-              <a:ext uri="{FF2B5EF4-FFF2-40B4-BE49-F238E27FC236}">
-                <a16:creationId xmlns:a16="http://schemas.microsoft.com/office/drawing/2014/main" id="{456C0EF0-51DB-4CE9-825F-56204203C8E1}"/>
+                <a16:creationId xmlns:a16="http://schemas.microsoft.com/office/drawing/2014/main" id="{C9CE9B51-BDDF-40A6-B358-464BC3CE8E94}"/>
               </a:ext>
             </a:extLst>
           </p:cNvPr>
@@ -12409,8 +12342,8 @@
         </p:blipFill>
         <p:spPr>
           <a:xfrm>
-            <a:off x="495301" y="1376464"/>
-            <a:ext cx="8915400" cy="4662599"/>
+            <a:off x="1524000" y="1138363"/>
+            <a:ext cx="7010400" cy="5033837"/>
           </a:xfrm>
           <a:prstGeom prst="rect">
             <a:avLst/>
@@ -12419,10 +12352,74 @@
       </p:pic>
       <p:sp>
         <p:nvSpPr>
-          <p:cNvPr id="6" name="직사각형 5">
+          <p:cNvPr id="3" name="제목 2">
             <a:extLst>
               <a:ext uri="{FF2B5EF4-FFF2-40B4-BE49-F238E27FC236}">
-                <a16:creationId xmlns:a16="http://schemas.microsoft.com/office/drawing/2014/main" id="{D9C1FA7A-6D61-4FFD-9176-8CB282B534A3}"/>
+                <a16:creationId xmlns:a16="http://schemas.microsoft.com/office/drawing/2014/main" id="{3F761754-CB33-44C3-B96D-D83962C710C5}"/>
+              </a:ext>
+            </a:extLst>
+          </p:cNvPr>
+          <p:cNvSpPr>
+            <a:spLocks noGrp="1"/>
+          </p:cNvSpPr>
+          <p:nvPr>
+            <p:ph type="title"/>
+          </p:nvPr>
+        </p:nvSpPr>
+        <p:spPr/>
+        <p:txBody>
+          <a:bodyPr/>
+          <a:lstStyle/>
+          <a:p>
+            <a:r>
+              <a:rPr lang="en-US" altLang="ko-KR"/>
+              <a:t>6. Complete</a:t>
+            </a:r>
+            <a:endParaRPr lang="ko-KR" altLang="en-US"/>
+          </a:p>
+        </p:txBody>
+      </p:sp>
+      <p:sp>
+        <p:nvSpPr>
+          <p:cNvPr id="4" name="슬라이드 번호 개체 틀 3">
+            <a:extLst>
+              <a:ext uri="{FF2B5EF4-FFF2-40B4-BE49-F238E27FC236}">
+                <a16:creationId xmlns:a16="http://schemas.microsoft.com/office/drawing/2014/main" id="{807E9102-56A0-4D67-A059-7AD9B18DDC13}"/>
+              </a:ext>
+            </a:extLst>
+          </p:cNvPr>
+          <p:cNvSpPr>
+            <a:spLocks noGrp="1"/>
+          </p:cNvSpPr>
+          <p:nvPr>
+            <p:ph type="sldNum" sz="quarter" idx="11"/>
+          </p:nvPr>
+        </p:nvSpPr>
+        <p:spPr/>
+        <p:txBody>
+          <a:bodyPr/>
+          <a:lstStyle/>
+          <a:p>
+            <a:pPr>
+              <a:defRPr/>
+            </a:pPr>
+            <a:fld id="{7585D841-3058-4BFE-8F4A-3303B3707F0A}" type="slidenum">
+              <a:rPr lang="en-US" altLang="ko-KR" smtClean="0"/>
+              <a:pPr>
+                <a:defRPr/>
+              </a:pPr>
+              <a:t>17</a:t>
+            </a:fld>
+            <a:endParaRPr lang="en-US" altLang="ko-KR"/>
+          </a:p>
+        </p:txBody>
+      </p:sp>
+      <p:sp>
+        <p:nvSpPr>
+          <p:cNvPr id="7" name="직사각형 6">
+            <a:extLst>
+              <a:ext uri="{FF2B5EF4-FFF2-40B4-BE49-F238E27FC236}">
+                <a16:creationId xmlns:a16="http://schemas.microsoft.com/office/drawing/2014/main" id="{7AB9FA05-6138-4307-8091-8F196E792402}"/>
               </a:ext>
             </a:extLst>
           </p:cNvPr>
@@ -12431,8 +12428,8 @@
         </p:nvSpPr>
         <p:spPr bwMode="auto">
           <a:xfrm>
-            <a:off x="762000" y="5791200"/>
-            <a:ext cx="2057400" cy="381000"/>
+            <a:off x="2667000" y="4343400"/>
+            <a:ext cx="4038600" cy="762000"/>
           </a:xfrm>
           <a:prstGeom prst="rect">
             <a:avLst/>
@@ -12490,131 +12487,7 @@
     </p:spTree>
     <p:extLst>
       <p:ext uri="{BB962C8B-B14F-4D97-AF65-F5344CB8AC3E}">
-        <p14:creationId xmlns:p14="http://schemas.microsoft.com/office/powerpoint/2010/main" val="285495286"/>
-      </p:ext>
-    </p:extLst>
-  </p:cSld>
-  <p:clrMapOvr>
-    <a:masterClrMapping/>
-  </p:clrMapOvr>
-</p:sld>
-</file>
-
-<file path=ppt/slides/slide19.xml><?xml version="1.0" encoding="utf-8"?>
-<p:sld xmlns:a="http://schemas.openxmlformats.org/drawingml/2006/main" xmlns:r="http://schemas.openxmlformats.org/officeDocument/2006/relationships" xmlns:p="http://schemas.openxmlformats.org/presentationml/2006/main">
-  <p:cSld>
-    <p:spTree>
-      <p:nvGrpSpPr>
-        <p:cNvPr id="1" name=""/>
-        <p:cNvGrpSpPr/>
-        <p:nvPr/>
-      </p:nvGrpSpPr>
-      <p:grpSpPr>
-        <a:xfrm>
-          <a:off x="0" y="0"/>
-          <a:ext cx="0" cy="0"/>
-          <a:chOff x="0" y="0"/>
-          <a:chExt cx="0" cy="0"/>
-        </a:xfrm>
-      </p:grpSpPr>
-      <p:sp>
-        <p:nvSpPr>
-          <p:cNvPr id="3" name="제목 2">
-            <a:extLst>
-              <a:ext uri="{FF2B5EF4-FFF2-40B4-BE49-F238E27FC236}">
-                <a16:creationId xmlns:a16="http://schemas.microsoft.com/office/drawing/2014/main" id="{3F761754-CB33-44C3-B96D-D83962C710C5}"/>
-              </a:ext>
-            </a:extLst>
-          </p:cNvPr>
-          <p:cNvSpPr>
-            <a:spLocks noGrp="1"/>
-          </p:cNvSpPr>
-          <p:nvPr>
-            <p:ph type="title"/>
-          </p:nvPr>
-        </p:nvSpPr>
-        <p:spPr/>
-        <p:txBody>
-          <a:bodyPr/>
-          <a:lstStyle/>
-          <a:p>
-            <a:r>
-              <a:rPr lang="en-US" altLang="ko-KR"/>
-              <a:t>5. waas.bat start</a:t>
-            </a:r>
-            <a:endParaRPr lang="ko-KR" altLang="en-US"/>
-          </a:p>
-        </p:txBody>
-      </p:sp>
-      <p:sp>
-        <p:nvSpPr>
-          <p:cNvPr id="4" name="슬라이드 번호 개체 틀 3">
-            <a:extLst>
-              <a:ext uri="{FF2B5EF4-FFF2-40B4-BE49-F238E27FC236}">
-                <a16:creationId xmlns:a16="http://schemas.microsoft.com/office/drawing/2014/main" id="{807E9102-56A0-4D67-A059-7AD9B18DDC13}"/>
-              </a:ext>
-            </a:extLst>
-          </p:cNvPr>
-          <p:cNvSpPr>
-            <a:spLocks noGrp="1"/>
-          </p:cNvSpPr>
-          <p:nvPr>
-            <p:ph type="sldNum" sz="quarter" idx="11"/>
-          </p:nvPr>
-        </p:nvSpPr>
-        <p:spPr/>
-        <p:txBody>
-          <a:bodyPr/>
-          <a:lstStyle/>
-          <a:p>
-            <a:pPr>
-              <a:defRPr/>
-            </a:pPr>
-            <a:fld id="{7585D841-3058-4BFE-8F4A-3303B3707F0A}" type="slidenum">
-              <a:rPr lang="en-US" altLang="ko-KR" smtClean="0"/>
-              <a:pPr>
-                <a:defRPr/>
-              </a:pPr>
-              <a:t>18</a:t>
-            </a:fld>
-            <a:endParaRPr lang="en-US" altLang="ko-KR"/>
-          </a:p>
-        </p:txBody>
-      </p:sp>
-      <p:pic>
-        <p:nvPicPr>
-          <p:cNvPr id="2" name="그림 1">
-            <a:extLst>
-              <a:ext uri="{FF2B5EF4-FFF2-40B4-BE49-F238E27FC236}">
-                <a16:creationId xmlns:a16="http://schemas.microsoft.com/office/drawing/2014/main" id="{15CF2C15-C76B-461B-B660-21F9042BC69B}"/>
-              </a:ext>
-            </a:extLst>
-          </p:cNvPr>
-          <p:cNvPicPr>
-            <a:picLocks noChangeAspect="1"/>
-          </p:cNvPicPr>
-          <p:nvPr/>
-        </p:nvPicPr>
-        <p:blipFill>
-          <a:blip r:embed="rId2"/>
-          <a:stretch>
-            <a:fillRect/>
-          </a:stretch>
-        </p:blipFill>
-        <p:spPr>
-          <a:xfrm>
-            <a:off x="495301" y="1371600"/>
-            <a:ext cx="8915400" cy="4662599"/>
-          </a:xfrm>
-          <a:prstGeom prst="rect">
-            <a:avLst/>
-          </a:prstGeom>
-        </p:spPr>
-      </p:pic>
-    </p:spTree>
-    <p:extLst>
-      <p:ext uri="{BB962C8B-B14F-4D97-AF65-F5344CB8AC3E}">
-        <p14:creationId xmlns:p14="http://schemas.microsoft.com/office/powerpoint/2010/main" val="4245543997"/>
+        <p14:creationId xmlns:p14="http://schemas.microsoft.com/office/powerpoint/2010/main" val="1258415025"/>
       </p:ext>
     </p:extLst>
   </p:cSld>
@@ -12945,324 +12818,6 @@
     <p:extLst>
       <p:ext uri="{BB962C8B-B14F-4D97-AF65-F5344CB8AC3E}">
         <p14:creationId xmlns:p14="http://schemas.microsoft.com/office/powerpoint/2010/main" val="1079503555"/>
-      </p:ext>
-    </p:extLst>
-  </p:cSld>
-  <p:clrMapOvr>
-    <a:masterClrMapping/>
-  </p:clrMapOvr>
-</p:sld>
-</file>
-
-<file path=ppt/slides/slide20.xml><?xml version="1.0" encoding="utf-8"?>
-<p:sld xmlns:a="http://schemas.openxmlformats.org/drawingml/2006/main" xmlns:r="http://schemas.openxmlformats.org/officeDocument/2006/relationships" xmlns:p="http://schemas.openxmlformats.org/presentationml/2006/main">
-  <p:cSld>
-    <p:spTree>
-      <p:nvGrpSpPr>
-        <p:cNvPr id="1" name=""/>
-        <p:cNvGrpSpPr/>
-        <p:nvPr/>
-      </p:nvGrpSpPr>
-      <p:grpSpPr>
-        <a:xfrm>
-          <a:off x="0" y="0"/>
-          <a:ext cx="0" cy="0"/>
-          <a:chOff x="0" y="0"/>
-          <a:chExt cx="0" cy="0"/>
-        </a:xfrm>
-      </p:grpSpPr>
-      <p:sp>
-        <p:nvSpPr>
-          <p:cNvPr id="3" name="제목 2">
-            <a:extLst>
-              <a:ext uri="{FF2B5EF4-FFF2-40B4-BE49-F238E27FC236}">
-                <a16:creationId xmlns:a16="http://schemas.microsoft.com/office/drawing/2014/main" id="{3F761754-CB33-44C3-B96D-D83962C710C5}"/>
-              </a:ext>
-            </a:extLst>
-          </p:cNvPr>
-          <p:cNvSpPr>
-            <a:spLocks noGrp="1"/>
-          </p:cNvSpPr>
-          <p:nvPr>
-            <p:ph type="title"/>
-          </p:nvPr>
-        </p:nvSpPr>
-        <p:spPr/>
-        <p:txBody>
-          <a:bodyPr/>
-          <a:lstStyle/>
-          <a:p>
-            <a:r>
-              <a:rPr lang="en-US" altLang="ko-KR"/>
-              <a:t>5. waas.bat start</a:t>
-            </a:r>
-            <a:endParaRPr lang="ko-KR" altLang="en-US"/>
-          </a:p>
-        </p:txBody>
-      </p:sp>
-      <p:sp>
-        <p:nvSpPr>
-          <p:cNvPr id="4" name="슬라이드 번호 개체 틀 3">
-            <a:extLst>
-              <a:ext uri="{FF2B5EF4-FFF2-40B4-BE49-F238E27FC236}">
-                <a16:creationId xmlns:a16="http://schemas.microsoft.com/office/drawing/2014/main" id="{807E9102-56A0-4D67-A059-7AD9B18DDC13}"/>
-              </a:ext>
-            </a:extLst>
-          </p:cNvPr>
-          <p:cNvSpPr>
-            <a:spLocks noGrp="1"/>
-          </p:cNvSpPr>
-          <p:nvPr>
-            <p:ph type="sldNum" sz="quarter" idx="11"/>
-          </p:nvPr>
-        </p:nvSpPr>
-        <p:spPr/>
-        <p:txBody>
-          <a:bodyPr/>
-          <a:lstStyle/>
-          <a:p>
-            <a:pPr>
-              <a:defRPr/>
-            </a:pPr>
-            <a:fld id="{7585D841-3058-4BFE-8F4A-3303B3707F0A}" type="slidenum">
-              <a:rPr lang="en-US" altLang="ko-KR" smtClean="0"/>
-              <a:pPr>
-                <a:defRPr/>
-              </a:pPr>
-              <a:t>19</a:t>
-            </a:fld>
-            <a:endParaRPr lang="en-US" altLang="ko-KR"/>
-          </a:p>
-        </p:txBody>
-      </p:sp>
-      <p:pic>
-        <p:nvPicPr>
-          <p:cNvPr id="2" name="그림 1">
-            <a:extLst>
-              <a:ext uri="{FF2B5EF4-FFF2-40B4-BE49-F238E27FC236}">
-                <a16:creationId xmlns:a16="http://schemas.microsoft.com/office/drawing/2014/main" id="{5BA2BFDD-6D60-4652-AEEA-1E8CC50EB498}"/>
-              </a:ext>
-            </a:extLst>
-          </p:cNvPr>
-          <p:cNvPicPr>
-            <a:picLocks noChangeAspect="1"/>
-          </p:cNvPicPr>
-          <p:nvPr/>
-        </p:nvPicPr>
-        <p:blipFill>
-          <a:blip r:embed="rId2"/>
-          <a:stretch>
-            <a:fillRect/>
-          </a:stretch>
-        </p:blipFill>
-        <p:spPr>
-          <a:xfrm>
-            <a:off x="495300" y="1366736"/>
-            <a:ext cx="8912157" cy="4660903"/>
-          </a:xfrm>
-          <a:prstGeom prst="rect">
-            <a:avLst/>
-          </a:prstGeom>
-        </p:spPr>
-      </p:pic>
-    </p:spTree>
-    <p:extLst>
-      <p:ext uri="{BB962C8B-B14F-4D97-AF65-F5344CB8AC3E}">
-        <p14:creationId xmlns:p14="http://schemas.microsoft.com/office/powerpoint/2010/main" val="2561704481"/>
-      </p:ext>
-    </p:extLst>
-  </p:cSld>
-  <p:clrMapOvr>
-    <a:masterClrMapping/>
-  </p:clrMapOvr>
-</p:sld>
-</file>
-
-<file path=ppt/slides/slide21.xml><?xml version="1.0" encoding="utf-8"?>
-<p:sld xmlns:a="http://schemas.openxmlformats.org/drawingml/2006/main" xmlns:r="http://schemas.openxmlformats.org/officeDocument/2006/relationships" xmlns:p="http://schemas.openxmlformats.org/presentationml/2006/main">
-  <p:cSld>
-    <p:spTree>
-      <p:nvGrpSpPr>
-        <p:cNvPr id="1" name=""/>
-        <p:cNvGrpSpPr/>
-        <p:nvPr/>
-      </p:nvGrpSpPr>
-      <p:grpSpPr>
-        <a:xfrm>
-          <a:off x="0" y="0"/>
-          <a:ext cx="0" cy="0"/>
-          <a:chOff x="0" y="0"/>
-          <a:chExt cx="0" cy="0"/>
-        </a:xfrm>
-      </p:grpSpPr>
-      <p:sp>
-        <p:nvSpPr>
-          <p:cNvPr id="3" name="제목 2">
-            <a:extLst>
-              <a:ext uri="{FF2B5EF4-FFF2-40B4-BE49-F238E27FC236}">
-                <a16:creationId xmlns:a16="http://schemas.microsoft.com/office/drawing/2014/main" id="{3F761754-CB33-44C3-B96D-D83962C710C5}"/>
-              </a:ext>
-            </a:extLst>
-          </p:cNvPr>
-          <p:cNvSpPr>
-            <a:spLocks noGrp="1"/>
-          </p:cNvSpPr>
-          <p:nvPr>
-            <p:ph type="title"/>
-          </p:nvPr>
-        </p:nvSpPr>
-        <p:spPr/>
-        <p:txBody>
-          <a:bodyPr/>
-          <a:lstStyle/>
-          <a:p>
-            <a:r>
-              <a:rPr lang="en-US" altLang="ko-KR"/>
-              <a:t>6. Complete</a:t>
-            </a:r>
-            <a:endParaRPr lang="ko-KR" altLang="en-US"/>
-          </a:p>
-        </p:txBody>
-      </p:sp>
-      <p:sp>
-        <p:nvSpPr>
-          <p:cNvPr id="4" name="슬라이드 번호 개체 틀 3">
-            <a:extLst>
-              <a:ext uri="{FF2B5EF4-FFF2-40B4-BE49-F238E27FC236}">
-                <a16:creationId xmlns:a16="http://schemas.microsoft.com/office/drawing/2014/main" id="{807E9102-56A0-4D67-A059-7AD9B18DDC13}"/>
-              </a:ext>
-            </a:extLst>
-          </p:cNvPr>
-          <p:cNvSpPr>
-            <a:spLocks noGrp="1"/>
-          </p:cNvSpPr>
-          <p:nvPr>
-            <p:ph type="sldNum" sz="quarter" idx="11"/>
-          </p:nvPr>
-        </p:nvSpPr>
-        <p:spPr/>
-        <p:txBody>
-          <a:bodyPr/>
-          <a:lstStyle/>
-          <a:p>
-            <a:pPr>
-              <a:defRPr/>
-            </a:pPr>
-            <a:fld id="{7585D841-3058-4BFE-8F4A-3303B3707F0A}" type="slidenum">
-              <a:rPr lang="en-US" altLang="ko-KR" smtClean="0"/>
-              <a:pPr>
-                <a:defRPr/>
-              </a:pPr>
-              <a:t>20</a:t>
-            </a:fld>
-            <a:endParaRPr lang="en-US" altLang="ko-KR"/>
-          </a:p>
-        </p:txBody>
-      </p:sp>
-      <p:pic>
-        <p:nvPicPr>
-          <p:cNvPr id="6" name="그림 5">
-            <a:extLst>
-              <a:ext uri="{FF2B5EF4-FFF2-40B4-BE49-F238E27FC236}">
-                <a16:creationId xmlns:a16="http://schemas.microsoft.com/office/drawing/2014/main" id="{99AF4099-C63F-47C5-944D-39182D5DF167}"/>
-              </a:ext>
-            </a:extLst>
-          </p:cNvPr>
-          <p:cNvPicPr>
-            <a:picLocks noChangeAspect="1"/>
-          </p:cNvPicPr>
-          <p:nvPr/>
-        </p:nvPicPr>
-        <p:blipFill>
-          <a:blip r:embed="rId2"/>
-          <a:stretch>
-            <a:fillRect/>
-          </a:stretch>
-        </p:blipFill>
-        <p:spPr>
-          <a:xfrm>
-            <a:off x="500164" y="1371601"/>
-            <a:ext cx="8034236" cy="4807672"/>
-          </a:xfrm>
-          <a:prstGeom prst="rect">
-            <a:avLst/>
-          </a:prstGeom>
-        </p:spPr>
-      </p:pic>
-      <p:sp>
-        <p:nvSpPr>
-          <p:cNvPr id="7" name="직사각형 6">
-            <a:extLst>
-              <a:ext uri="{FF2B5EF4-FFF2-40B4-BE49-F238E27FC236}">
-                <a16:creationId xmlns:a16="http://schemas.microsoft.com/office/drawing/2014/main" id="{7AB9FA05-6138-4307-8091-8F196E792402}"/>
-              </a:ext>
-            </a:extLst>
-          </p:cNvPr>
-          <p:cNvSpPr/>
-          <p:nvPr/>
-        </p:nvSpPr>
-        <p:spPr bwMode="auto">
-          <a:xfrm>
-            <a:off x="2209800" y="2895600"/>
-            <a:ext cx="4038600" cy="914400"/>
-          </a:xfrm>
-          <a:prstGeom prst="rect">
-            <a:avLst/>
-          </a:prstGeom>
-          <a:noFill/>
-          <a:ln w="38100" cap="flat" cmpd="sng" algn="ctr">
-            <a:solidFill>
-              <a:srgbClr val="FF0000"/>
-            </a:solidFill>
-            <a:prstDash val="solid"/>
-            <a:round/>
-            <a:headEnd type="none" w="lg" len="lg"/>
-            <a:tailEnd type="none" w="lg" len="lg"/>
-          </a:ln>
-          <a:effectLst/>
-        </p:spPr>
-        <p:txBody>
-          <a:bodyPr vert="horz" wrap="none" lIns="91440" tIns="45720" rIns="91440" bIns="45720" numCol="1" rtlCol="0" anchor="ctr" anchorCtr="0" compatLnSpc="1">
-            <a:prstTxWarp prst="textNoShape">
-              <a:avLst/>
-            </a:prstTxWarp>
-          </a:bodyPr>
-          <a:lstStyle/>
-          <a:p>
-            <a:pPr marL="0" marR="0" indent="0" algn="l" defTabSz="914400" rtl="0" eaLnBrk="0" fontAlgn="base" latinLnBrk="0" hangingPunct="0">
-              <a:lnSpc>
-                <a:spcPct val="100000"/>
-              </a:lnSpc>
-              <a:spcBef>
-                <a:spcPct val="0"/>
-              </a:spcBef>
-              <a:spcAft>
-                <a:spcPct val="0"/>
-              </a:spcAft>
-              <a:buClrTx/>
-              <a:buSzTx/>
-              <a:buFontTx/>
-              <a:buNone/>
-              <a:tabLst/>
-            </a:pPr>
-            <a:endParaRPr kumimoji="0" lang="ko-KR" altLang="en-US" sz="1800" b="0" i="0" u="none" strike="noStrike" cap="none" normalizeH="0" baseline="0">
-              <a:ln>
-                <a:noFill/>
-              </a:ln>
-              <a:solidFill>
-                <a:schemeClr val="tx1"/>
-              </a:solidFill>
-              <a:effectLst/>
-              <a:latin typeface="Arial" pitchFamily="34" charset="0"/>
-              <a:ea typeface="굴림" pitchFamily="50" charset="-127"/>
-            </a:endParaRPr>
-          </a:p>
-        </p:txBody>
-      </p:sp>
-    </p:spTree>
-    <p:extLst>
-      <p:ext uri="{BB962C8B-B14F-4D97-AF65-F5344CB8AC3E}">
-        <p14:creationId xmlns:p14="http://schemas.microsoft.com/office/powerpoint/2010/main" val="1258415025"/>
       </p:ext>
     </p:extLst>
   </p:cSld>

--- a/docs/0000.man.pptx
+++ b/docs/0000.man.pptx
@@ -6,7 +6,7 @@
     <p:sldMasterId id="2147483732" r:id="rId2"/>
   </p:sldMasterIdLst>
   <p:notesMasterIdLst>
-    <p:notesMasterId r:id="rId21"/>
+    <p:notesMasterId r:id="rId22"/>
   </p:notesMasterIdLst>
   <p:sldIdLst>
     <p:sldId id="256" r:id="rId3"/>
@@ -27,6 +27,7 @@
     <p:sldId id="852" r:id="rId18"/>
     <p:sldId id="854" r:id="rId19"/>
     <p:sldId id="855" r:id="rId20"/>
+    <p:sldId id="856" r:id="rId21"/>
   </p:sldIdLst>
   <p:sldSz cx="9906000" cy="6858000" type="A4"/>
   <p:notesSz cx="7010400" cy="9296400"/>
@@ -12488,6 +12489,152 @@
     <p:extLst>
       <p:ext uri="{BB962C8B-B14F-4D97-AF65-F5344CB8AC3E}">
         <p14:creationId xmlns:p14="http://schemas.microsoft.com/office/powerpoint/2010/main" val="1258415025"/>
+      </p:ext>
+    </p:extLst>
+  </p:cSld>
+  <p:clrMapOvr>
+    <a:masterClrMapping/>
+  </p:clrMapOvr>
+</p:sld>
+</file>
+
+<file path=ppt/slides/slide19.xml><?xml version="1.0" encoding="utf-8"?>
+<p:sld xmlns:a="http://schemas.openxmlformats.org/drawingml/2006/main" xmlns:r="http://schemas.openxmlformats.org/officeDocument/2006/relationships" xmlns:p="http://schemas.openxmlformats.org/presentationml/2006/main">
+  <p:cSld>
+    <p:spTree>
+      <p:nvGrpSpPr>
+        <p:cNvPr id="1" name=""/>
+        <p:cNvGrpSpPr/>
+        <p:nvPr/>
+      </p:nvGrpSpPr>
+      <p:grpSpPr>
+        <a:xfrm>
+          <a:off x="0" y="0"/>
+          <a:ext cx="0" cy="0"/>
+          <a:chOff x="0" y="0"/>
+          <a:chExt cx="0" cy="0"/>
+        </a:xfrm>
+      </p:grpSpPr>
+      <p:sp>
+        <p:nvSpPr>
+          <p:cNvPr id="3" name="Title 2">
+            <a:extLst>
+              <a:ext uri="{FF2B5EF4-FFF2-40B4-BE49-F238E27FC236}">
+                <a16:creationId xmlns:a16="http://schemas.microsoft.com/office/drawing/2014/main" id="{0AD1DE23-91E5-4A8A-9C4D-16FD7787B0B4}"/>
+              </a:ext>
+            </a:extLst>
+          </p:cNvPr>
+          <p:cNvSpPr>
+            <a:spLocks noGrp="1"/>
+          </p:cNvSpPr>
+          <p:nvPr>
+            <p:ph type="title"/>
+          </p:nvPr>
+        </p:nvSpPr>
+        <p:spPr/>
+        <p:txBody>
+          <a:bodyPr/>
+          <a:lstStyle/>
+          <a:p>
+            <a:r>
+              <a:rPr lang="en-US" altLang="ko-KR"/>
+              <a:t>Create Database User</a:t>
+            </a:r>
+            <a:endParaRPr lang="en-US"/>
+          </a:p>
+        </p:txBody>
+      </p:sp>
+      <p:sp>
+        <p:nvSpPr>
+          <p:cNvPr id="4" name="Slide Number Placeholder 3">
+            <a:extLst>
+              <a:ext uri="{FF2B5EF4-FFF2-40B4-BE49-F238E27FC236}">
+                <a16:creationId xmlns:a16="http://schemas.microsoft.com/office/drawing/2014/main" id="{E009B698-AD2D-433D-9AD4-866719A88120}"/>
+              </a:ext>
+            </a:extLst>
+          </p:cNvPr>
+          <p:cNvSpPr>
+            <a:spLocks noGrp="1"/>
+          </p:cNvSpPr>
+          <p:nvPr>
+            <p:ph type="sldNum" sz="quarter" idx="11"/>
+          </p:nvPr>
+        </p:nvSpPr>
+        <p:spPr/>
+        <p:txBody>
+          <a:bodyPr/>
+          <a:lstStyle/>
+          <a:p>
+            <a:pPr>
+              <a:defRPr/>
+            </a:pPr>
+            <a:fld id="{7585D841-3058-4BFE-8F4A-3303B3707F0A}" type="slidenum">
+              <a:rPr lang="en-US" altLang="ko-KR" smtClean="0"/>
+              <a:pPr>
+                <a:defRPr/>
+              </a:pPr>
+              <a:t>18</a:t>
+            </a:fld>
+            <a:endParaRPr lang="en-US" altLang="ko-KR"/>
+          </a:p>
+        </p:txBody>
+      </p:sp>
+      <p:sp>
+        <p:nvSpPr>
+          <p:cNvPr id="5" name="Rectangle 4">
+            <a:extLst>
+              <a:ext uri="{FF2B5EF4-FFF2-40B4-BE49-F238E27FC236}">
+                <a16:creationId xmlns:a16="http://schemas.microsoft.com/office/drawing/2014/main" id="{76B688D6-AA91-47F4-97BE-3A9B677954C7}"/>
+              </a:ext>
+            </a:extLst>
+          </p:cNvPr>
+          <p:cNvSpPr/>
+          <p:nvPr/>
+        </p:nvSpPr>
+        <p:spPr>
+          <a:xfrm>
+            <a:off x="438150" y="1905000"/>
+            <a:ext cx="9029700" cy="3139321"/>
+          </a:xfrm>
+          <a:prstGeom prst="rect">
+            <a:avLst/>
+          </a:prstGeom>
+        </p:spPr>
+        <p:txBody>
+          <a:bodyPr wrap="square">
+            <a:spAutoFit/>
+          </a:bodyPr>
+          <a:lstStyle/>
+          <a:p>
+            <a:r>
+              <a:rPr lang="en-US"/>
+              <a:t>create user 'crl'@'%' identified by '00000000';</a:t>
+            </a:r>
+          </a:p>
+          <a:p>
+            <a:r>
+              <a:rPr lang="en-US"/>
+              <a:t>alter user 'crl'@'%' identified with caching_sha2_password by '00000000';</a:t>
+            </a:r>
+          </a:p>
+          <a:p>
+            <a:r>
+              <a:rPr lang="en-US"/>
+              <a:t>update `user` set Select_priv = 'y', Insert_priv = 'y',Update_priv = 'y',Delete_priv = 'y',Create_priv = 'y',Drop_priv = 'y',Reload_priv = 'y',Shutdown_priv = 'y',Process_priv = 'y',File_priv = 'y',Grant_priv = 'y',References_priv = 'y',Index_priv = 'y',Alter_priv = 'y',Show_db_priv = 'y',Super_priv = 'y',Create_tmp_table_priv = 'y',Lock_tables_priv = 'y',Execute_priv = 'y',Repl_slave_priv = 'y',Repl_client_priv = 'y',Create_view_priv = 'y',Show_view_priv = 'y',Create_routine_priv = 'y',Alter_routine_priv = 'y',Create_user_priv = 'y',Event_priv = 'y',Trigger_priv = 'y',Create_tablespace_priv = 'y' where user = 'crl';</a:t>
+            </a:r>
+          </a:p>
+          <a:p>
+            <a:r>
+              <a:rPr lang="en-US"/>
+              <a:t>flush privileges;</a:t>
+            </a:r>
+          </a:p>
+        </p:txBody>
+      </p:sp>
+    </p:spTree>
+    <p:extLst>
+      <p:ext uri="{BB962C8B-B14F-4D97-AF65-F5344CB8AC3E}">
+        <p14:creationId xmlns:p14="http://schemas.microsoft.com/office/powerpoint/2010/main" val="3042973668"/>
       </p:ext>
     </p:extLst>
   </p:cSld>

--- a/docs/0000.man.pptx
+++ b/docs/0000.man.pptx
@@ -24,8 +24,8 @@
     <p:sldId id="847" r:id="rId15"/>
     <p:sldId id="848" r:id="rId16"/>
     <p:sldId id="851" r:id="rId17"/>
-    <p:sldId id="852" r:id="rId18"/>
-    <p:sldId id="854" r:id="rId19"/>
+    <p:sldId id="854" r:id="rId18"/>
+    <p:sldId id="857" r:id="rId19"/>
     <p:sldId id="855" r:id="rId20"/>
     <p:sldId id="856" r:id="rId21"/>
   </p:sldIdLst>
@@ -11253,10 +11253,10 @@
       </p:grpSpPr>
       <p:pic>
         <p:nvPicPr>
-          <p:cNvPr id="2" name="Picture 1">
+          <p:cNvPr id="6" name="Picture 5">
             <a:extLst>
               <a:ext uri="{FF2B5EF4-FFF2-40B4-BE49-F238E27FC236}">
-                <a16:creationId xmlns:a16="http://schemas.microsoft.com/office/drawing/2014/main" id="{A29383D1-5E24-48F7-8464-87B23FA7989E}"/>
+                <a16:creationId xmlns:a16="http://schemas.microsoft.com/office/drawing/2014/main" id="{830A8C2B-2875-4694-BFB0-B2D7CC8C831C}"/>
               </a:ext>
             </a:extLst>
           </p:cNvPr>
@@ -11273,8 +11273,8 @@
         </p:blipFill>
         <p:spPr>
           <a:xfrm>
-            <a:off x="1259681" y="1897294"/>
-            <a:ext cx="6665119" cy="4358714"/>
+            <a:off x="998533" y="1824173"/>
+            <a:ext cx="6666974" cy="4348027"/>
           </a:xfrm>
           <a:prstGeom prst="rect">
             <a:avLst/>
@@ -11563,76 +11563,12 @@
           <a:chExt cx="0" cy="0"/>
         </a:xfrm>
       </p:grpSpPr>
-      <p:sp>
-        <p:nvSpPr>
-          <p:cNvPr id="3" name="제목 2">
+      <p:pic>
+        <p:nvPicPr>
+          <p:cNvPr id="9" name="Picture 8">
             <a:extLst>
               <a:ext uri="{FF2B5EF4-FFF2-40B4-BE49-F238E27FC236}">
-                <a16:creationId xmlns:a16="http://schemas.microsoft.com/office/drawing/2014/main" id="{3F761754-CB33-44C3-B96D-D83962C710C5}"/>
-              </a:ext>
-            </a:extLst>
-          </p:cNvPr>
-          <p:cNvSpPr>
-            <a:spLocks noGrp="1"/>
-          </p:cNvSpPr>
-          <p:nvPr>
-            <p:ph type="title"/>
-          </p:nvPr>
-        </p:nvSpPr>
-        <p:spPr/>
-        <p:txBody>
-          <a:bodyPr/>
-          <a:lstStyle/>
-          <a:p>
-            <a:r>
-              <a:rPr lang="en-US" altLang="ko-KR"/>
-              <a:t>4. waas.bat config</a:t>
-            </a:r>
-            <a:endParaRPr lang="ko-KR" altLang="en-US"/>
-          </a:p>
-        </p:txBody>
-      </p:sp>
-      <p:sp>
-        <p:nvSpPr>
-          <p:cNvPr id="4" name="슬라이드 번호 개체 틀 3">
-            <a:extLst>
-              <a:ext uri="{FF2B5EF4-FFF2-40B4-BE49-F238E27FC236}">
-                <a16:creationId xmlns:a16="http://schemas.microsoft.com/office/drawing/2014/main" id="{807E9102-56A0-4D67-A059-7AD9B18DDC13}"/>
-              </a:ext>
-            </a:extLst>
-          </p:cNvPr>
-          <p:cNvSpPr>
-            <a:spLocks noGrp="1"/>
-          </p:cNvSpPr>
-          <p:nvPr>
-            <p:ph type="sldNum" sz="quarter" idx="11"/>
-          </p:nvPr>
-        </p:nvSpPr>
-        <p:spPr/>
-        <p:txBody>
-          <a:bodyPr/>
-          <a:lstStyle/>
-          <a:p>
-            <a:pPr>
-              <a:defRPr/>
-            </a:pPr>
-            <a:fld id="{7585D841-3058-4BFE-8F4A-3303B3707F0A}" type="slidenum">
-              <a:rPr lang="en-US" altLang="ko-KR" smtClean="0"/>
-              <a:pPr>
-                <a:defRPr/>
-              </a:pPr>
-              <a:t>13</a:t>
-            </a:fld>
-            <a:endParaRPr lang="en-US" altLang="ko-KR"/>
-          </a:p>
-        </p:txBody>
-      </p:sp>
-      <p:pic>
-        <p:nvPicPr>
-          <p:cNvPr id="2" name="그림 1">
-            <a:extLst>
-              <a:ext uri="{FF2B5EF4-FFF2-40B4-BE49-F238E27FC236}">
-                <a16:creationId xmlns:a16="http://schemas.microsoft.com/office/drawing/2014/main" id="{B4E9D366-D4BF-4D19-B810-701CF0C18988}"/>
+                <a16:creationId xmlns:a16="http://schemas.microsoft.com/office/drawing/2014/main" id="{C1583CC0-C0FD-4BC5-A69B-D55635D384A2}"/>
               </a:ext>
             </a:extLst>
           </p:cNvPr>
@@ -11649,14 +11585,78 @@
         </p:blipFill>
         <p:spPr>
           <a:xfrm>
-            <a:off x="495300" y="1371600"/>
-            <a:ext cx="8915400" cy="4662599"/>
+            <a:off x="460887" y="1403555"/>
+            <a:ext cx="8835513" cy="4620820"/>
           </a:xfrm>
           <a:prstGeom prst="rect">
             <a:avLst/>
           </a:prstGeom>
         </p:spPr>
       </p:pic>
+      <p:sp>
+        <p:nvSpPr>
+          <p:cNvPr id="3" name="제목 2">
+            <a:extLst>
+              <a:ext uri="{FF2B5EF4-FFF2-40B4-BE49-F238E27FC236}">
+                <a16:creationId xmlns:a16="http://schemas.microsoft.com/office/drawing/2014/main" id="{3F761754-CB33-44C3-B96D-D83962C710C5}"/>
+              </a:ext>
+            </a:extLst>
+          </p:cNvPr>
+          <p:cNvSpPr>
+            <a:spLocks noGrp="1"/>
+          </p:cNvSpPr>
+          <p:nvPr>
+            <p:ph type="title"/>
+          </p:nvPr>
+        </p:nvSpPr>
+        <p:spPr/>
+        <p:txBody>
+          <a:bodyPr/>
+          <a:lstStyle/>
+          <a:p>
+            <a:r>
+              <a:rPr lang="en-US" altLang="ko-KR"/>
+              <a:t>4. waas.bat config</a:t>
+            </a:r>
+            <a:endParaRPr lang="ko-KR" altLang="en-US"/>
+          </a:p>
+        </p:txBody>
+      </p:sp>
+      <p:sp>
+        <p:nvSpPr>
+          <p:cNvPr id="4" name="슬라이드 번호 개체 틀 3">
+            <a:extLst>
+              <a:ext uri="{FF2B5EF4-FFF2-40B4-BE49-F238E27FC236}">
+                <a16:creationId xmlns:a16="http://schemas.microsoft.com/office/drawing/2014/main" id="{807E9102-56A0-4D67-A059-7AD9B18DDC13}"/>
+              </a:ext>
+            </a:extLst>
+          </p:cNvPr>
+          <p:cNvSpPr>
+            <a:spLocks noGrp="1"/>
+          </p:cNvSpPr>
+          <p:nvPr>
+            <p:ph type="sldNum" sz="quarter" idx="11"/>
+          </p:nvPr>
+        </p:nvSpPr>
+        <p:spPr/>
+        <p:txBody>
+          <a:bodyPr/>
+          <a:lstStyle/>
+          <a:p>
+            <a:pPr>
+              <a:defRPr/>
+            </a:pPr>
+            <a:fld id="{7585D841-3058-4BFE-8F4A-3303B3707F0A}" type="slidenum">
+              <a:rPr lang="en-US" altLang="ko-KR" smtClean="0"/>
+              <a:pPr>
+                <a:defRPr/>
+              </a:pPr>
+              <a:t>13</a:t>
+            </a:fld>
+            <a:endParaRPr lang="en-US" altLang="ko-KR"/>
+          </a:p>
+        </p:txBody>
+      </p:sp>
       <p:sp>
         <p:nvSpPr>
           <p:cNvPr id="5" name="Rectangle 4">
@@ -11879,76 +11879,12 @@
           <a:chExt cx="0" cy="0"/>
         </a:xfrm>
       </p:grpSpPr>
-      <p:sp>
-        <p:nvSpPr>
-          <p:cNvPr id="3" name="제목 2">
+      <p:pic>
+        <p:nvPicPr>
+          <p:cNvPr id="2" name="Picture 1">
             <a:extLst>
               <a:ext uri="{FF2B5EF4-FFF2-40B4-BE49-F238E27FC236}">
-                <a16:creationId xmlns:a16="http://schemas.microsoft.com/office/drawing/2014/main" id="{3F761754-CB33-44C3-B96D-D83962C710C5}"/>
-              </a:ext>
-            </a:extLst>
-          </p:cNvPr>
-          <p:cNvSpPr>
-            <a:spLocks noGrp="1"/>
-          </p:cNvSpPr>
-          <p:nvPr>
-            <p:ph type="title"/>
-          </p:nvPr>
-        </p:nvSpPr>
-        <p:spPr/>
-        <p:txBody>
-          <a:bodyPr/>
-          <a:lstStyle/>
-          <a:p>
-            <a:r>
-              <a:rPr lang="en-US" altLang="ko-KR"/>
-              <a:t>4. waas.bat config</a:t>
-            </a:r>
-            <a:endParaRPr lang="ko-KR" altLang="en-US"/>
-          </a:p>
-        </p:txBody>
-      </p:sp>
-      <p:sp>
-        <p:nvSpPr>
-          <p:cNvPr id="4" name="슬라이드 번호 개체 틀 3">
-            <a:extLst>
-              <a:ext uri="{FF2B5EF4-FFF2-40B4-BE49-F238E27FC236}">
-                <a16:creationId xmlns:a16="http://schemas.microsoft.com/office/drawing/2014/main" id="{807E9102-56A0-4D67-A059-7AD9B18DDC13}"/>
-              </a:ext>
-            </a:extLst>
-          </p:cNvPr>
-          <p:cNvSpPr>
-            <a:spLocks noGrp="1"/>
-          </p:cNvSpPr>
-          <p:nvPr>
-            <p:ph type="sldNum" sz="quarter" idx="11"/>
-          </p:nvPr>
-        </p:nvSpPr>
-        <p:spPr/>
-        <p:txBody>
-          <a:bodyPr/>
-          <a:lstStyle/>
-          <a:p>
-            <a:pPr>
-              <a:defRPr/>
-            </a:pPr>
-            <a:fld id="{7585D841-3058-4BFE-8F4A-3303B3707F0A}" type="slidenum">
-              <a:rPr lang="en-US" altLang="ko-KR" smtClean="0"/>
-              <a:pPr>
-                <a:defRPr/>
-              </a:pPr>
-              <a:t>14</a:t>
-            </a:fld>
-            <a:endParaRPr lang="en-US" altLang="ko-KR"/>
-          </a:p>
-        </p:txBody>
-      </p:sp>
-      <p:pic>
-        <p:nvPicPr>
-          <p:cNvPr id="5" name="그림 4">
-            <a:extLst>
-              <a:ext uri="{FF2B5EF4-FFF2-40B4-BE49-F238E27FC236}">
-                <a16:creationId xmlns:a16="http://schemas.microsoft.com/office/drawing/2014/main" id="{2F611BFA-8706-45E7-91B3-F6C56344AC26}"/>
+                <a16:creationId xmlns:a16="http://schemas.microsoft.com/office/drawing/2014/main" id="{F94BDDAD-BDC9-4382-A23A-2B1EC2A59511}"/>
               </a:ext>
             </a:extLst>
           </p:cNvPr>
@@ -11965,14 +11901,78 @@
         </p:blipFill>
         <p:spPr>
           <a:xfrm>
-            <a:off x="495301" y="1371600"/>
-            <a:ext cx="8915400" cy="4662599"/>
+            <a:off x="378542" y="1378974"/>
+            <a:ext cx="9324975" cy="4876800"/>
           </a:xfrm>
           <a:prstGeom prst="rect">
             <a:avLst/>
           </a:prstGeom>
         </p:spPr>
       </p:pic>
+      <p:sp>
+        <p:nvSpPr>
+          <p:cNvPr id="3" name="제목 2">
+            <a:extLst>
+              <a:ext uri="{FF2B5EF4-FFF2-40B4-BE49-F238E27FC236}">
+                <a16:creationId xmlns:a16="http://schemas.microsoft.com/office/drawing/2014/main" id="{3F761754-CB33-44C3-B96D-D83962C710C5}"/>
+              </a:ext>
+            </a:extLst>
+          </p:cNvPr>
+          <p:cNvSpPr>
+            <a:spLocks noGrp="1"/>
+          </p:cNvSpPr>
+          <p:nvPr>
+            <p:ph type="title"/>
+          </p:nvPr>
+        </p:nvSpPr>
+        <p:spPr/>
+        <p:txBody>
+          <a:bodyPr/>
+          <a:lstStyle/>
+          <a:p>
+            <a:r>
+              <a:rPr lang="en-US" altLang="ko-KR"/>
+              <a:t>4. waas.bat config</a:t>
+            </a:r>
+            <a:endParaRPr lang="ko-KR" altLang="en-US"/>
+          </a:p>
+        </p:txBody>
+      </p:sp>
+      <p:sp>
+        <p:nvSpPr>
+          <p:cNvPr id="4" name="슬라이드 번호 개체 틀 3">
+            <a:extLst>
+              <a:ext uri="{FF2B5EF4-FFF2-40B4-BE49-F238E27FC236}">
+                <a16:creationId xmlns:a16="http://schemas.microsoft.com/office/drawing/2014/main" id="{807E9102-56A0-4D67-A059-7AD9B18DDC13}"/>
+              </a:ext>
+            </a:extLst>
+          </p:cNvPr>
+          <p:cNvSpPr>
+            <a:spLocks noGrp="1"/>
+          </p:cNvSpPr>
+          <p:nvPr>
+            <p:ph type="sldNum" sz="quarter" idx="11"/>
+          </p:nvPr>
+        </p:nvSpPr>
+        <p:spPr/>
+        <p:txBody>
+          <a:bodyPr/>
+          <a:lstStyle/>
+          <a:p>
+            <a:pPr>
+              <a:defRPr/>
+            </a:pPr>
+            <a:fld id="{7585D841-3058-4BFE-8F4A-3303B3707F0A}" type="slidenum">
+              <a:rPr lang="en-US" altLang="ko-KR" smtClean="0"/>
+              <a:pPr>
+                <a:defRPr/>
+              </a:pPr>
+              <a:t>14</a:t>
+            </a:fld>
+            <a:endParaRPr lang="en-US" altLang="ko-KR"/>
+          </a:p>
+        </p:txBody>
+      </p:sp>
       <p:sp>
         <p:nvSpPr>
           <p:cNvPr id="6" name="직사각형 5">
@@ -11987,7 +11987,7 @@
         </p:nvSpPr>
         <p:spPr bwMode="auto">
           <a:xfrm>
-            <a:off x="381000" y="2895601"/>
+            <a:off x="378542" y="2667000"/>
             <a:ext cx="2057400" cy="381000"/>
           </a:xfrm>
           <a:prstGeom prst="rect">
@@ -12096,7 +12096,7 @@
           <a:p>
             <a:r>
               <a:rPr lang="en-US" altLang="ko-KR"/>
-              <a:t>4. waas.bat config</a:t>
+              <a:t>5. waas.bat start</a:t>
             </a:r>
             <a:endParaRPr lang="ko-KR" altLang="en-US"/>
           </a:p>
@@ -12139,10 +12139,10 @@
       </p:sp>
       <p:pic>
         <p:nvPicPr>
-          <p:cNvPr id="5" name="Picture 4">
+          <p:cNvPr id="2" name="Picture 1">
             <a:extLst>
               <a:ext uri="{FF2B5EF4-FFF2-40B4-BE49-F238E27FC236}">
-                <a16:creationId xmlns:a16="http://schemas.microsoft.com/office/drawing/2014/main" id="{C3D217C7-5FCF-40B2-8E2F-61B6981ED5BE}"/>
+                <a16:creationId xmlns:a16="http://schemas.microsoft.com/office/drawing/2014/main" id="{1E6A8FE8-046B-4AB0-B1DF-FD7C28820BAD}"/>
               </a:ext>
             </a:extLst>
           </p:cNvPr>
@@ -12159,7 +12159,7 @@
         </p:blipFill>
         <p:spPr>
           <a:xfrm>
-            <a:off x="290512" y="1295400"/>
+            <a:off x="475635" y="1285568"/>
             <a:ext cx="9324975" cy="4876800"/>
           </a:xfrm>
           <a:prstGeom prst="rect">
@@ -12167,10 +12167,80 @@
           </a:prstGeom>
         </p:spPr>
       </p:pic>
+      <p:sp>
+        <p:nvSpPr>
+          <p:cNvPr id="6" name="직사각형 5">
+            <a:extLst>
+              <a:ext uri="{FF2B5EF4-FFF2-40B4-BE49-F238E27FC236}">
+                <a16:creationId xmlns:a16="http://schemas.microsoft.com/office/drawing/2014/main" id="{F6648FB6-BFA9-4253-869A-04CC398A76AD}"/>
+              </a:ext>
+            </a:extLst>
+          </p:cNvPr>
+          <p:cNvSpPr/>
+          <p:nvPr/>
+        </p:nvSpPr>
+        <p:spPr bwMode="auto">
+          <a:xfrm>
+            <a:off x="468261" y="1914832"/>
+            <a:ext cx="2057400" cy="381000"/>
+          </a:xfrm>
+          <a:prstGeom prst="rect">
+            <a:avLst/>
+          </a:prstGeom>
+          <a:noFill/>
+          <a:ln w="38100" cap="flat" cmpd="sng" algn="ctr">
+            <a:solidFill>
+              <a:srgbClr val="FF0000"/>
+            </a:solidFill>
+            <a:prstDash val="solid"/>
+            <a:round/>
+            <a:headEnd type="none" w="lg" len="lg"/>
+            <a:tailEnd type="none" w="lg" len="lg"/>
+          </a:ln>
+          <a:effectLst/>
+        </p:spPr>
+        <p:txBody>
+          <a:bodyPr vert="horz" wrap="none" lIns="91440" tIns="45720" rIns="91440" bIns="45720" numCol="1" rtlCol="0" anchor="ctr" anchorCtr="0" compatLnSpc="1">
+            <a:prstTxWarp prst="textNoShape">
+              <a:avLst/>
+            </a:prstTxWarp>
+          </a:bodyPr>
+          <a:lstStyle/>
+          <a:p>
+            <a:pPr marL="0" marR="0" indent="0" algn="l" defTabSz="914400" rtl="0" eaLnBrk="0" fontAlgn="base" latinLnBrk="0" hangingPunct="0">
+              <a:lnSpc>
+                <a:spcPct val="100000"/>
+              </a:lnSpc>
+              <a:spcBef>
+                <a:spcPct val="0"/>
+              </a:spcBef>
+              <a:spcAft>
+                <a:spcPct val="0"/>
+              </a:spcAft>
+              <a:buClrTx/>
+              <a:buSzTx/>
+              <a:buFontTx/>
+              <a:buNone/>
+              <a:tabLst/>
+            </a:pPr>
+            <a:endParaRPr kumimoji="0" lang="ko-KR" altLang="en-US" sz="1800" b="0" i="0" u="none" strike="noStrike" cap="none" normalizeH="0" baseline="0">
+              <a:ln>
+                <a:noFill/>
+              </a:ln>
+              <a:solidFill>
+                <a:schemeClr val="tx1"/>
+              </a:solidFill>
+              <a:effectLst/>
+              <a:latin typeface="Arial" pitchFamily="34" charset="0"/>
+              <a:ea typeface="굴림" pitchFamily="50" charset="-127"/>
+            </a:endParaRPr>
+          </a:p>
+        </p:txBody>
+      </p:sp>
     </p:spTree>
     <p:extLst>
       <p:ext uri="{BB962C8B-B14F-4D97-AF65-F5344CB8AC3E}">
-        <p14:creationId xmlns:p14="http://schemas.microsoft.com/office/powerpoint/2010/main" val="936231205"/>
+        <p14:creationId xmlns:p14="http://schemas.microsoft.com/office/powerpoint/2010/main" val="4245543997"/>
       </p:ext>
     </p:extLst>
   </p:cSld>
@@ -12199,10 +12269,10 @@
       </p:grpSpPr>
       <p:sp>
         <p:nvSpPr>
-          <p:cNvPr id="3" name="제목 2">
+          <p:cNvPr id="3" name="Title 2">
             <a:extLst>
               <a:ext uri="{FF2B5EF4-FFF2-40B4-BE49-F238E27FC236}">
-                <a16:creationId xmlns:a16="http://schemas.microsoft.com/office/drawing/2014/main" id="{3F761754-CB33-44C3-B96D-D83962C710C5}"/>
+                <a16:creationId xmlns:a16="http://schemas.microsoft.com/office/drawing/2014/main" id="{31E66C61-CEB2-4D41-8C4F-A60220A465F5}"/>
               </a:ext>
             </a:extLst>
           </p:cNvPr>
@@ -12218,20 +12288,16 @@
           <a:bodyPr/>
           <a:lstStyle/>
           <a:p>
-            <a:r>
-              <a:rPr lang="en-US" altLang="ko-KR"/>
-              <a:t>5. waas.bat start</a:t>
-            </a:r>
-            <a:endParaRPr lang="ko-KR" altLang="en-US"/>
-          </a:p>
-        </p:txBody>
-      </p:sp>
-      <p:sp>
-        <p:nvSpPr>
-          <p:cNvPr id="4" name="슬라이드 번호 개체 틀 3">
+            <a:endParaRPr lang="en-US"/>
+          </a:p>
+        </p:txBody>
+      </p:sp>
+      <p:sp>
+        <p:nvSpPr>
+          <p:cNvPr id="4" name="Slide Number Placeholder 3">
             <a:extLst>
               <a:ext uri="{FF2B5EF4-FFF2-40B4-BE49-F238E27FC236}">
-                <a16:creationId xmlns:a16="http://schemas.microsoft.com/office/drawing/2014/main" id="{807E9102-56A0-4D67-A059-7AD9B18DDC13}"/>
+                <a16:creationId xmlns:a16="http://schemas.microsoft.com/office/drawing/2014/main" id="{F655B2EF-1E72-4B32-9A25-69FC1A0BA6A4}"/>
               </a:ext>
             </a:extLst>
           </p:cNvPr>
@@ -12261,40 +12327,10 @@
           </a:p>
         </p:txBody>
       </p:sp>
-      <p:pic>
-        <p:nvPicPr>
-          <p:cNvPr id="5" name="Picture 4">
-            <a:extLst>
-              <a:ext uri="{FF2B5EF4-FFF2-40B4-BE49-F238E27FC236}">
-                <a16:creationId xmlns:a16="http://schemas.microsoft.com/office/drawing/2014/main" id="{90B4B174-C751-4FA5-AE4F-4CFE5FB116B4}"/>
-              </a:ext>
-            </a:extLst>
-          </p:cNvPr>
-          <p:cNvPicPr>
-            <a:picLocks noChangeAspect="1"/>
-          </p:cNvPicPr>
-          <p:nvPr/>
-        </p:nvPicPr>
-        <p:blipFill>
-          <a:blip r:embed="rId2"/>
-          <a:stretch>
-            <a:fillRect/>
-          </a:stretch>
-        </p:blipFill>
-        <p:spPr>
-          <a:xfrm>
-            <a:off x="290512" y="1301393"/>
-            <a:ext cx="9324975" cy="4876800"/>
-          </a:xfrm>
-          <a:prstGeom prst="rect">
-            <a:avLst/>
-          </a:prstGeom>
-        </p:spPr>
-      </p:pic>
     </p:spTree>
     <p:extLst>
       <p:ext uri="{BB962C8B-B14F-4D97-AF65-F5344CB8AC3E}">
-        <p14:creationId xmlns:p14="http://schemas.microsoft.com/office/powerpoint/2010/main" val="4245543997"/>
+        <p14:creationId xmlns:p14="http://schemas.microsoft.com/office/powerpoint/2010/main" val="2583582796"/>
       </p:ext>
     </p:extLst>
   </p:cSld>
@@ -12323,10 +12359,10 @@
       </p:grpSpPr>
       <p:pic>
         <p:nvPicPr>
-          <p:cNvPr id="2" name="Picture 1">
+          <p:cNvPr id="5" name="Picture 4">
             <a:extLst>
               <a:ext uri="{FF2B5EF4-FFF2-40B4-BE49-F238E27FC236}">
-                <a16:creationId xmlns:a16="http://schemas.microsoft.com/office/drawing/2014/main" id="{C9CE9B51-BDDF-40A6-B358-464BC3CE8E94}"/>
+                <a16:creationId xmlns:a16="http://schemas.microsoft.com/office/drawing/2014/main" id="{B33A8FE2-FCE7-42D9-B0CD-6AE3D36FBEB2}"/>
               </a:ext>
             </a:extLst>
           </p:cNvPr>
@@ -12343,8 +12379,8 @@
         </p:blipFill>
         <p:spPr>
           <a:xfrm>
-            <a:off x="1524000" y="1138363"/>
-            <a:ext cx="7010400" cy="5033837"/>
+            <a:off x="3297569" y="1600200"/>
+            <a:ext cx="5667375" cy="4169669"/>
           </a:xfrm>
           <a:prstGeom prst="rect">
             <a:avLst/>
@@ -12429,8 +12465,108 @@
         </p:nvSpPr>
         <p:spPr bwMode="auto">
           <a:xfrm>
-            <a:off x="2667000" y="4343400"/>
-            <a:ext cx="4038600" cy="762000"/>
+            <a:off x="4111956" y="3515758"/>
+            <a:ext cx="3581401" cy="615490"/>
+          </a:xfrm>
+          <a:prstGeom prst="rect">
+            <a:avLst/>
+          </a:prstGeom>
+          <a:noFill/>
+          <a:ln w="38100" cap="flat" cmpd="sng" algn="ctr">
+            <a:solidFill>
+              <a:srgbClr val="FF0000"/>
+            </a:solidFill>
+            <a:prstDash val="solid"/>
+            <a:round/>
+            <a:headEnd type="none" w="lg" len="lg"/>
+            <a:tailEnd type="none" w="lg" len="lg"/>
+          </a:ln>
+          <a:effectLst/>
+        </p:spPr>
+        <p:txBody>
+          <a:bodyPr vert="horz" wrap="none" lIns="91440" tIns="45720" rIns="91440" bIns="45720" numCol="1" rtlCol="0" anchor="ctr" anchorCtr="0" compatLnSpc="1">
+            <a:prstTxWarp prst="textNoShape">
+              <a:avLst/>
+            </a:prstTxWarp>
+          </a:bodyPr>
+          <a:lstStyle/>
+          <a:p>
+            <a:pPr marL="0" marR="0" indent="0" algn="l" defTabSz="914400" rtl="0" eaLnBrk="0" fontAlgn="base" latinLnBrk="0" hangingPunct="0">
+              <a:lnSpc>
+                <a:spcPct val="100000"/>
+              </a:lnSpc>
+              <a:spcBef>
+                <a:spcPct val="0"/>
+              </a:spcBef>
+              <a:spcAft>
+                <a:spcPct val="0"/>
+              </a:spcAft>
+              <a:buClrTx/>
+              <a:buSzTx/>
+              <a:buFontTx/>
+              <a:buNone/>
+              <a:tabLst/>
+            </a:pPr>
+            <a:endParaRPr kumimoji="0" lang="ko-KR" altLang="en-US" sz="1800" b="0" i="0" u="none" strike="noStrike" cap="none" normalizeH="0" baseline="0">
+              <a:ln>
+                <a:noFill/>
+              </a:ln>
+              <a:solidFill>
+                <a:schemeClr val="tx1"/>
+              </a:solidFill>
+              <a:effectLst/>
+              <a:latin typeface="Arial" pitchFamily="34" charset="0"/>
+              <a:ea typeface="굴림" pitchFamily="50" charset="-127"/>
+            </a:endParaRPr>
+          </a:p>
+        </p:txBody>
+      </p:sp>
+      <p:pic>
+        <p:nvPicPr>
+          <p:cNvPr id="6" name="Picture 5">
+            <a:extLst>
+              <a:ext uri="{FF2B5EF4-FFF2-40B4-BE49-F238E27FC236}">
+                <a16:creationId xmlns:a16="http://schemas.microsoft.com/office/drawing/2014/main" id="{FCFCA749-6DED-4F7B-8222-1830DE4660D8}"/>
+              </a:ext>
+            </a:extLst>
+          </p:cNvPr>
+          <p:cNvPicPr>
+            <a:picLocks noChangeAspect="1"/>
+          </p:cNvPicPr>
+          <p:nvPr/>
+        </p:nvPicPr>
+        <p:blipFill>
+          <a:blip r:embed="rId3"/>
+          <a:stretch>
+            <a:fillRect/>
+          </a:stretch>
+        </p:blipFill>
+        <p:spPr>
+          <a:xfrm>
+            <a:off x="152400" y="1251821"/>
+            <a:ext cx="3065130" cy="4995862"/>
+          </a:xfrm>
+          <a:prstGeom prst="rect">
+            <a:avLst/>
+          </a:prstGeom>
+        </p:spPr>
+      </p:pic>
+      <p:sp>
+        <p:nvSpPr>
+          <p:cNvPr id="8" name="직사각형 5">
+            <a:extLst>
+              <a:ext uri="{FF2B5EF4-FFF2-40B4-BE49-F238E27FC236}">
+                <a16:creationId xmlns:a16="http://schemas.microsoft.com/office/drawing/2014/main" id="{B6030806-1826-4EE6-B7FA-23EC1135F64C}"/>
+              </a:ext>
+            </a:extLst>
+          </p:cNvPr>
+          <p:cNvSpPr/>
+          <p:nvPr/>
+        </p:nvSpPr>
+        <p:spPr bwMode="auto">
+          <a:xfrm>
+            <a:off x="381000" y="4735307"/>
+            <a:ext cx="1905000" cy="283087"/>
           </a:xfrm>
           <a:prstGeom prst="rect">
             <a:avLst/>
@@ -13718,10 +13854,10 @@
       </p:sp>
       <p:pic>
         <p:nvPicPr>
-          <p:cNvPr id="4" name="그림 3">
+          <p:cNvPr id="2" name="Picture 1">
             <a:extLst>
               <a:ext uri="{FF2B5EF4-FFF2-40B4-BE49-F238E27FC236}">
-                <a16:creationId xmlns:a16="http://schemas.microsoft.com/office/drawing/2014/main" id="{A198A6C2-0186-4498-8A9E-78BCC3136269}"/>
+                <a16:creationId xmlns:a16="http://schemas.microsoft.com/office/drawing/2014/main" id="{A54E30E2-B360-4116-83DA-6D8916126102}"/>
               </a:ext>
             </a:extLst>
           </p:cNvPr>
@@ -13738,14 +13874,84 @@
         </p:blipFill>
         <p:spPr>
           <a:xfrm>
-            <a:off x="507458" y="1894820"/>
-            <a:ext cx="5359941" cy="4295466"/>
+            <a:off x="609600" y="1860512"/>
+            <a:ext cx="6238875" cy="4431416"/>
           </a:xfrm>
           <a:prstGeom prst="rect">
             <a:avLst/>
           </a:prstGeom>
         </p:spPr>
       </p:pic>
+      <p:sp>
+        <p:nvSpPr>
+          <p:cNvPr id="7" name="직사각형 6">
+            <a:extLst>
+              <a:ext uri="{FF2B5EF4-FFF2-40B4-BE49-F238E27FC236}">
+                <a16:creationId xmlns:a16="http://schemas.microsoft.com/office/drawing/2014/main" id="{D9F3FB78-586B-4D34-AC79-815C09DA481A}"/>
+              </a:ext>
+            </a:extLst>
+          </p:cNvPr>
+          <p:cNvSpPr/>
+          <p:nvPr/>
+        </p:nvSpPr>
+        <p:spPr bwMode="auto">
+          <a:xfrm>
+            <a:off x="1524000" y="2245658"/>
+            <a:ext cx="1752600" cy="268942"/>
+          </a:xfrm>
+          <a:prstGeom prst="rect">
+            <a:avLst/>
+          </a:prstGeom>
+          <a:noFill/>
+          <a:ln w="38100" cap="flat" cmpd="sng" algn="ctr">
+            <a:solidFill>
+              <a:srgbClr val="FF0000"/>
+            </a:solidFill>
+            <a:prstDash val="solid"/>
+            <a:round/>
+            <a:headEnd type="none" w="lg" len="lg"/>
+            <a:tailEnd type="none" w="lg" len="lg"/>
+          </a:ln>
+          <a:effectLst/>
+        </p:spPr>
+        <p:txBody>
+          <a:bodyPr vert="horz" wrap="none" lIns="91440" tIns="45720" rIns="91440" bIns="45720" numCol="1" rtlCol="0" anchor="ctr" anchorCtr="0" compatLnSpc="1">
+            <a:prstTxWarp prst="textNoShape">
+              <a:avLst/>
+            </a:prstTxWarp>
+          </a:bodyPr>
+          <a:lstStyle/>
+          <a:p>
+            <a:pPr marL="0" marR="0" indent="0" algn="l" defTabSz="914400" rtl="0" eaLnBrk="0" fontAlgn="base" latinLnBrk="0" hangingPunct="0">
+              <a:lnSpc>
+                <a:spcPct val="100000"/>
+              </a:lnSpc>
+              <a:spcBef>
+                <a:spcPct val="0"/>
+              </a:spcBef>
+              <a:spcAft>
+                <a:spcPct val="0"/>
+              </a:spcAft>
+              <a:buClrTx/>
+              <a:buSzTx/>
+              <a:buFontTx/>
+              <a:buNone/>
+              <a:tabLst/>
+            </a:pPr>
+            <a:endParaRPr kumimoji="0" lang="ko-KR" altLang="en-US" sz="1800" b="0" i="0" u="none" strike="noStrike" cap="none" normalizeH="0" baseline="0">
+              <a:ln>
+                <a:noFill/>
+              </a:ln>
+              <a:solidFill>
+                <a:schemeClr val="tx1"/>
+              </a:solidFill>
+              <a:effectLst/>
+              <a:latin typeface="Arial" pitchFamily="34" charset="0"/>
+              <a:ea typeface="굴림" pitchFamily="50" charset="-127"/>
+            </a:endParaRPr>
+          </a:p>
+        </p:txBody>
+      </p:sp>
     </p:spTree>
     <p:extLst>
       <p:ext uri="{BB962C8B-B14F-4D97-AF65-F5344CB8AC3E}">
